--- a/TILDA Programming Model Tutotial.pptx
+++ b/TILDA Programming Model Tutotial.pptx
@@ -5,10 +5,10 @@
     <p:sldMasterId id="2147483761" r:id="rId1"/>
   </p:sldMasterIdLst>
   <p:notesMasterIdLst>
-    <p:notesMasterId r:id="rId18"/>
+    <p:notesMasterId r:id="rId20"/>
   </p:notesMasterIdLst>
   <p:handoutMasterIdLst>
-    <p:handoutMasterId r:id="rId19"/>
+    <p:handoutMasterId r:id="rId21"/>
   </p:handoutMasterIdLst>
   <p:sldIdLst>
     <p:sldId id="256" r:id="rId2"/>
@@ -27,6 +27,8 @@
     <p:sldId id="348" r:id="rId15"/>
     <p:sldId id="349" r:id="rId16"/>
     <p:sldId id="350" r:id="rId17"/>
+    <p:sldId id="351" r:id="rId18"/>
+    <p:sldId id="352" r:id="rId19"/>
   </p:sldIdLst>
   <p:sldSz cx="12192000" cy="6858000"/>
   <p:notesSz cx="6858000" cy="9144000"/>
@@ -147,10 +149,6 @@
 </p:presentation>
 </file>
 
-<file path=ppt/revisionInfo.xml><?xml version="1.0" encoding="utf-8"?>
-<p1510:revInfo xmlns:a="http://schemas.openxmlformats.org/drawingml/2006/main" xmlns:r="http://schemas.openxmlformats.org/officeDocument/2006/relationships" xmlns:p1510="http://schemas.microsoft.com/office/powerpoint/2015/10/main"/>
-</file>
-
 <file path=ppt/handoutMasters/handoutMaster1.xml><?xml version="1.0" encoding="utf-8"?>
 <p:handoutMaster xmlns:a="http://schemas.openxmlformats.org/drawingml/2006/main" xmlns:r="http://schemas.openxmlformats.org/officeDocument/2006/relationships" xmlns:p="http://schemas.openxmlformats.org/presentationml/2006/main">
   <p:cSld>
@@ -233,7 +231,7 @@
           <a:p>
             <a:fld id="{FA2A3692-4486-46E2-A5A9-6B58003616C9}" type="datetimeFigureOut">
               <a:rPr lang="en-US" smtClean="0"/>
-              <a:t>5/25/2017</a:t>
+              <a:t>2019-01-18</a:t>
             </a:fld>
             <a:endParaRPr lang="en-US"/>
           </a:p>
@@ -398,7 +396,7 @@
           <a:p>
             <a:fld id="{9A7B8F8B-D076-4835-A384-DB7FBE9B0D35}" type="datetimeFigureOut">
               <a:rPr lang="en-US" smtClean="0"/>
-              <a:t>5/25/2017</a:t>
+              <a:t>2019-01-18</a:t>
             </a:fld>
             <a:endParaRPr lang="en-US"/>
           </a:p>
@@ -15407,6 +15405,1649 @@
     <p:extLst>
       <p:ext uri="{BB962C8B-B14F-4D97-AF65-F5344CB8AC3E}">
         <p14:creationId xmlns:p14="http://schemas.microsoft.com/office/powerpoint/2010/main" val="4049338223"/>
+      </p:ext>
+    </p:extLst>
+  </p:cSld>
+  <p:clrMapOvr>
+    <a:masterClrMapping/>
+  </p:clrMapOvr>
+</p:sld>
+</file>
+
+<file path=ppt/slides/slide17.xml><?xml version="1.0" encoding="utf-8"?>
+<p:sld xmlns:a="http://schemas.openxmlformats.org/drawingml/2006/main" xmlns:r="http://schemas.openxmlformats.org/officeDocument/2006/relationships" xmlns:p="http://schemas.openxmlformats.org/presentationml/2006/main">
+  <p:cSld>
+    <p:spTree>
+      <p:nvGrpSpPr>
+        <p:cNvPr id="1" name=""/>
+        <p:cNvGrpSpPr/>
+        <p:nvPr/>
+      </p:nvGrpSpPr>
+      <p:grpSpPr>
+        <a:xfrm>
+          <a:off x="0" y="0"/>
+          <a:ext cx="0" cy="0"/>
+          <a:chOff x="0" y="0"/>
+          <a:chExt cx="0" cy="0"/>
+        </a:xfrm>
+      </p:grpSpPr>
+      <p:sp>
+        <p:nvSpPr>
+          <p:cNvPr id="2" name="Title 1">
+            <a:extLst>
+              <a:ext uri="{FF2B5EF4-FFF2-40B4-BE49-F238E27FC236}">
+                <a16:creationId xmlns:a16="http://schemas.microsoft.com/office/drawing/2014/main" id="{EC52DA7F-D2AF-45CF-AD2F-942753CD99DF}"/>
+              </a:ext>
+            </a:extLst>
+          </p:cNvPr>
+          <p:cNvSpPr>
+            <a:spLocks noGrp="1"/>
+          </p:cNvSpPr>
+          <p:nvPr>
+            <p:ph type="title"/>
+          </p:nvPr>
+        </p:nvSpPr>
+        <p:spPr/>
+        <p:txBody>
+          <a:bodyPr/>
+          <a:lstStyle/>
+          <a:p>
+            <a:r>
+              <a:rPr lang="en-US" dirty="0"/>
+              <a:t>View Realization</a:t>
+            </a:r>
+          </a:p>
+        </p:txBody>
+      </p:sp>
+      <p:sp>
+        <p:nvSpPr>
+          <p:cNvPr id="3" name="Content Placeholder 2">
+            <a:extLst>
+              <a:ext uri="{FF2B5EF4-FFF2-40B4-BE49-F238E27FC236}">
+                <a16:creationId xmlns:a16="http://schemas.microsoft.com/office/drawing/2014/main" id="{B29D5885-AFFB-4CC4-8521-6706E68821E6}"/>
+              </a:ext>
+            </a:extLst>
+          </p:cNvPr>
+          <p:cNvSpPr>
+            <a:spLocks noGrp="1"/>
+          </p:cNvSpPr>
+          <p:nvPr>
+            <p:ph idx="1"/>
+          </p:nvPr>
+        </p:nvSpPr>
+        <p:spPr/>
+        <p:txBody>
+          <a:bodyPr/>
+          <a:lstStyle/>
+          <a:p>
+            <a:r>
+              <a:rPr lang="en-US" dirty="0"/>
+              <a:t>Most databases have a View Materialization capabilities.</a:t>
+            </a:r>
+          </a:p>
+          <a:p>
+            <a:r>
+              <a:rPr lang="en-US" dirty="0"/>
+              <a:t>However, there are limitations. Complex views may result in materialization that is not easily updated, i.e., one change in the source data requires re-materializing everything. This is not scalable. The key issue is that the database doesn’t have a lot of meta-information about your data model.</a:t>
+            </a:r>
+          </a:p>
+          <a:p>
+            <a:r>
+              <a:rPr lang="en-US" dirty="0"/>
+              <a:t>Tilda does. So we have created something called Realization which works similarly but hopefully is smarter and faster, including defining PKs, FKs, and indices on an actual table.</a:t>
+            </a:r>
+          </a:p>
+          <a:p>
+            <a:endParaRPr lang="en-US" dirty="0"/>
+          </a:p>
+        </p:txBody>
+      </p:sp>
+      <p:sp>
+        <p:nvSpPr>
+          <p:cNvPr id="4" name="Date Placeholder 3">
+            <a:extLst>
+              <a:ext uri="{FF2B5EF4-FFF2-40B4-BE49-F238E27FC236}">
+                <a16:creationId xmlns:a16="http://schemas.microsoft.com/office/drawing/2014/main" id="{0C743B29-7AD5-4F0E-8E05-BADB9D19987B}"/>
+              </a:ext>
+            </a:extLst>
+          </p:cNvPr>
+          <p:cNvSpPr>
+            <a:spLocks noGrp="1"/>
+          </p:cNvSpPr>
+          <p:nvPr>
+            <p:ph type="dt" sz="half" idx="10"/>
+          </p:nvPr>
+        </p:nvSpPr>
+        <p:spPr/>
+        <p:txBody>
+          <a:bodyPr/>
+          <a:lstStyle/>
+          <a:p>
+            <a:r>
+              <a:rPr lang="en-US"/>
+              <a:t>2015-02-05</a:t>
+            </a:r>
+          </a:p>
+        </p:txBody>
+      </p:sp>
+      <p:sp>
+        <p:nvSpPr>
+          <p:cNvPr id="5" name="Footer Placeholder 4">
+            <a:extLst>
+              <a:ext uri="{FF2B5EF4-FFF2-40B4-BE49-F238E27FC236}">
+                <a16:creationId xmlns:a16="http://schemas.microsoft.com/office/drawing/2014/main" id="{F94C5DC4-DB64-4D24-AE18-2AA44F7CB17D}"/>
+              </a:ext>
+            </a:extLst>
+          </p:cNvPr>
+          <p:cNvSpPr>
+            <a:spLocks noGrp="1"/>
+          </p:cNvSpPr>
+          <p:nvPr>
+            <p:ph type="ftr" sz="quarter" idx="11"/>
+          </p:nvPr>
+        </p:nvSpPr>
+        <p:spPr/>
+        <p:txBody>
+          <a:bodyPr/>
+          <a:lstStyle/>
+          <a:p>
+            <a:r>
+              <a:rPr lang="en-US"/>
+              <a:t>Confidential -  All Rights Reserved by CapsicoHealth, Inc</a:t>
+            </a:r>
+            <a:endParaRPr lang="en-US" dirty="0"/>
+          </a:p>
+        </p:txBody>
+      </p:sp>
+      <p:sp>
+        <p:nvSpPr>
+          <p:cNvPr id="6" name="Slide Number Placeholder 5">
+            <a:extLst>
+              <a:ext uri="{FF2B5EF4-FFF2-40B4-BE49-F238E27FC236}">
+                <a16:creationId xmlns:a16="http://schemas.microsoft.com/office/drawing/2014/main" id="{1610E4AD-0B96-4F8A-AC86-0F67AD155108}"/>
+              </a:ext>
+            </a:extLst>
+          </p:cNvPr>
+          <p:cNvSpPr>
+            <a:spLocks noGrp="1"/>
+          </p:cNvSpPr>
+          <p:nvPr>
+            <p:ph type="sldNum" sz="quarter" idx="12"/>
+          </p:nvPr>
+        </p:nvSpPr>
+        <p:spPr/>
+        <p:txBody>
+          <a:bodyPr/>
+          <a:lstStyle/>
+          <a:p>
+            <a:fld id="{5543C749-9209-47A4-A33A-F4F65A772D66}" type="slidenum">
+              <a:rPr lang="en-US" smtClean="0"/>
+              <a:pPr/>
+              <a:t>17</a:t>
+            </a:fld>
+            <a:endParaRPr lang="en-US"/>
+          </a:p>
+        </p:txBody>
+      </p:sp>
+      <p:sp>
+        <p:nvSpPr>
+          <p:cNvPr id="7" name="Rectangle 6">
+            <a:extLst>
+              <a:ext uri="{FF2B5EF4-FFF2-40B4-BE49-F238E27FC236}">
+                <a16:creationId xmlns:a16="http://schemas.microsoft.com/office/drawing/2014/main" id="{DB5BDCF2-5F3D-4020-98AB-5C6BA67B5167}"/>
+              </a:ext>
+            </a:extLst>
+          </p:cNvPr>
+          <p:cNvSpPr/>
+          <p:nvPr/>
+        </p:nvSpPr>
+        <p:spPr>
+          <a:xfrm>
+            <a:off x="1550126" y="3429000"/>
+            <a:ext cx="1750423" cy="881743"/>
+          </a:xfrm>
+          <a:prstGeom prst="rect">
+            <a:avLst/>
+          </a:prstGeom>
+        </p:spPr>
+        <p:style>
+          <a:lnRef idx="2">
+            <a:schemeClr val="accent1">
+              <a:shade val="50000"/>
+            </a:schemeClr>
+          </a:lnRef>
+          <a:fillRef idx="1">
+            <a:schemeClr val="accent1"/>
+          </a:fillRef>
+          <a:effectRef idx="0">
+            <a:schemeClr val="accent1"/>
+          </a:effectRef>
+          <a:fontRef idx="minor">
+            <a:schemeClr val="lt1"/>
+          </a:fontRef>
+        </p:style>
+        <p:txBody>
+          <a:bodyPr rtlCol="0" anchor="ctr"/>
+          <a:lstStyle/>
+          <a:p>
+            <a:pPr algn="ctr"/>
+            <a:r>
+              <a:rPr lang="en-US" dirty="0" err="1"/>
+              <a:t>X_View</a:t>
+            </a:r>
+            <a:endParaRPr lang="en-US" dirty="0"/>
+          </a:p>
+        </p:txBody>
+      </p:sp>
+      <p:sp>
+        <p:nvSpPr>
+          <p:cNvPr id="8" name="Rectangle 7">
+            <a:extLst>
+              <a:ext uri="{FF2B5EF4-FFF2-40B4-BE49-F238E27FC236}">
+                <a16:creationId xmlns:a16="http://schemas.microsoft.com/office/drawing/2014/main" id="{C3BE7647-771D-4609-A9C5-AEF0D17C54AF}"/>
+              </a:ext>
+            </a:extLst>
+          </p:cNvPr>
+          <p:cNvSpPr/>
+          <p:nvPr/>
+        </p:nvSpPr>
+        <p:spPr>
+          <a:xfrm>
+            <a:off x="7547017" y="3428999"/>
+            <a:ext cx="1750423" cy="881743"/>
+          </a:xfrm>
+          <a:prstGeom prst="rect">
+            <a:avLst/>
+          </a:prstGeom>
+        </p:spPr>
+        <p:style>
+          <a:lnRef idx="2">
+            <a:schemeClr val="accent1">
+              <a:shade val="50000"/>
+            </a:schemeClr>
+          </a:lnRef>
+          <a:fillRef idx="1">
+            <a:schemeClr val="accent1"/>
+          </a:fillRef>
+          <a:effectRef idx="0">
+            <a:schemeClr val="accent1"/>
+          </a:effectRef>
+          <a:fontRef idx="minor">
+            <a:schemeClr val="lt1"/>
+          </a:fontRef>
+        </p:style>
+        <p:txBody>
+          <a:bodyPr rtlCol="0" anchor="ctr"/>
+          <a:lstStyle/>
+          <a:p>
+            <a:pPr algn="ctr"/>
+            <a:r>
+              <a:rPr lang="en-US" dirty="0" err="1"/>
+              <a:t>X_Realized</a:t>
+            </a:r>
+            <a:endParaRPr lang="en-US" dirty="0"/>
+          </a:p>
+        </p:txBody>
+      </p:sp>
+      <p:cxnSp>
+        <p:nvCxnSpPr>
+          <p:cNvPr id="10" name="Straight Arrow Connector 9">
+            <a:extLst>
+              <a:ext uri="{FF2B5EF4-FFF2-40B4-BE49-F238E27FC236}">
+                <a16:creationId xmlns:a16="http://schemas.microsoft.com/office/drawing/2014/main" id="{28A1360F-2FE5-488A-A71E-F656796F9B49}"/>
+              </a:ext>
+            </a:extLst>
+          </p:cNvPr>
+          <p:cNvCxnSpPr>
+            <a:stCxn id="7" idx="3"/>
+            <a:endCxn id="8" idx="1"/>
+          </p:cNvCxnSpPr>
+          <p:nvPr/>
+        </p:nvCxnSpPr>
+        <p:spPr>
+          <a:xfrm flipV="1">
+            <a:off x="3300549" y="3869871"/>
+            <a:ext cx="4246468" cy="1"/>
+          </a:xfrm>
+          <a:prstGeom prst="straightConnector1">
+            <a:avLst/>
+          </a:prstGeom>
+          <a:ln>
+            <a:tailEnd type="triangle"/>
+          </a:ln>
+        </p:spPr>
+        <p:style>
+          <a:lnRef idx="1">
+            <a:schemeClr val="accent1"/>
+          </a:lnRef>
+          <a:fillRef idx="0">
+            <a:schemeClr val="accent1"/>
+          </a:fillRef>
+          <a:effectRef idx="0">
+            <a:schemeClr val="accent1"/>
+          </a:effectRef>
+          <a:fontRef idx="minor">
+            <a:schemeClr val="tx1"/>
+          </a:fontRef>
+        </p:style>
+      </p:cxnSp>
+      <p:sp>
+        <p:nvSpPr>
+          <p:cNvPr id="11" name="TextBox 10">
+            <a:extLst>
+              <a:ext uri="{FF2B5EF4-FFF2-40B4-BE49-F238E27FC236}">
+                <a16:creationId xmlns:a16="http://schemas.microsoft.com/office/drawing/2014/main" id="{DB089E06-87A6-4979-BB4E-8A041D1525D6}"/>
+              </a:ext>
+            </a:extLst>
+          </p:cNvPr>
+          <p:cNvSpPr txBox="1"/>
+          <p:nvPr/>
+        </p:nvSpPr>
+        <p:spPr>
+          <a:xfrm>
+            <a:off x="3753394" y="3762103"/>
+            <a:ext cx="3028650" cy="369332"/>
+          </a:xfrm>
+          <a:prstGeom prst="rect">
+            <a:avLst/>
+          </a:prstGeom>
+          <a:noFill/>
+        </p:spPr>
+        <p:txBody>
+          <a:bodyPr wrap="none" rtlCol="0">
+            <a:spAutoFit/>
+          </a:bodyPr>
+          <a:lstStyle/>
+          <a:p>
+            <a:r>
+              <a:rPr lang="en-US" dirty="0"/>
+              <a:t>realize - </a:t>
+            </a:r>
+            <a:r>
+              <a:rPr lang="en-US" dirty="0" err="1"/>
+              <a:t>refill_X_Realized</a:t>
+            </a:r>
+            <a:r>
+              <a:rPr lang="en-US" dirty="0"/>
+              <a:t>()</a:t>
+            </a:r>
+          </a:p>
+        </p:txBody>
+      </p:sp>
+    </p:spTree>
+    <p:extLst>
+      <p:ext uri="{BB962C8B-B14F-4D97-AF65-F5344CB8AC3E}">
+        <p14:creationId xmlns:p14="http://schemas.microsoft.com/office/powerpoint/2010/main" val="3869874721"/>
+      </p:ext>
+    </p:extLst>
+  </p:cSld>
+  <p:clrMapOvr>
+    <a:masterClrMapping/>
+  </p:clrMapOvr>
+</p:sld>
+</file>
+
+<file path=ppt/slides/slide18.xml><?xml version="1.0" encoding="utf-8"?>
+<p:sld xmlns:a="http://schemas.openxmlformats.org/drawingml/2006/main" xmlns:r="http://schemas.openxmlformats.org/officeDocument/2006/relationships" xmlns:p="http://schemas.openxmlformats.org/presentationml/2006/main">
+  <p:cSld>
+    <p:spTree>
+      <p:nvGrpSpPr>
+        <p:cNvPr id="1" name=""/>
+        <p:cNvGrpSpPr/>
+        <p:nvPr/>
+      </p:nvGrpSpPr>
+      <p:grpSpPr>
+        <a:xfrm>
+          <a:off x="0" y="0"/>
+          <a:ext cx="0" cy="0"/>
+          <a:chOff x="0" y="0"/>
+          <a:chExt cx="0" cy="0"/>
+        </a:xfrm>
+      </p:grpSpPr>
+      <p:sp>
+        <p:nvSpPr>
+          <p:cNvPr id="2" name="Title 1">
+            <a:extLst>
+              <a:ext uri="{FF2B5EF4-FFF2-40B4-BE49-F238E27FC236}">
+                <a16:creationId xmlns:a16="http://schemas.microsoft.com/office/drawing/2014/main" id="{5890D93F-88E9-459A-87C9-F1BC445E8131}"/>
+              </a:ext>
+            </a:extLst>
+          </p:cNvPr>
+          <p:cNvSpPr>
+            <a:spLocks noGrp="1"/>
+          </p:cNvSpPr>
+          <p:nvPr>
+            <p:ph type="title"/>
+          </p:nvPr>
+        </p:nvSpPr>
+        <p:spPr/>
+        <p:txBody>
+          <a:bodyPr/>
+          <a:lstStyle/>
+          <a:p>
+            <a:endParaRPr lang="en-US"/>
+          </a:p>
+        </p:txBody>
+      </p:sp>
+      <p:sp>
+        <p:nvSpPr>
+          <p:cNvPr id="4" name="Date Placeholder 3">
+            <a:extLst>
+              <a:ext uri="{FF2B5EF4-FFF2-40B4-BE49-F238E27FC236}">
+                <a16:creationId xmlns:a16="http://schemas.microsoft.com/office/drawing/2014/main" id="{EC446DD1-B03E-4F49-A2EA-2D16E218ECFC}"/>
+              </a:ext>
+            </a:extLst>
+          </p:cNvPr>
+          <p:cNvSpPr>
+            <a:spLocks noGrp="1"/>
+          </p:cNvSpPr>
+          <p:nvPr>
+            <p:ph type="dt" sz="half" idx="10"/>
+          </p:nvPr>
+        </p:nvSpPr>
+        <p:spPr/>
+        <p:txBody>
+          <a:bodyPr/>
+          <a:lstStyle/>
+          <a:p>
+            <a:r>
+              <a:rPr lang="en-US"/>
+              <a:t>2015-02-05</a:t>
+            </a:r>
+          </a:p>
+        </p:txBody>
+      </p:sp>
+      <p:sp>
+        <p:nvSpPr>
+          <p:cNvPr id="5" name="Footer Placeholder 4">
+            <a:extLst>
+              <a:ext uri="{FF2B5EF4-FFF2-40B4-BE49-F238E27FC236}">
+                <a16:creationId xmlns:a16="http://schemas.microsoft.com/office/drawing/2014/main" id="{CCF9F935-90B7-4529-935D-E66B675322A7}"/>
+              </a:ext>
+            </a:extLst>
+          </p:cNvPr>
+          <p:cNvSpPr>
+            <a:spLocks noGrp="1"/>
+          </p:cNvSpPr>
+          <p:nvPr>
+            <p:ph type="ftr" sz="quarter" idx="11"/>
+          </p:nvPr>
+        </p:nvSpPr>
+        <p:spPr/>
+        <p:txBody>
+          <a:bodyPr/>
+          <a:lstStyle/>
+          <a:p>
+            <a:r>
+              <a:rPr lang="en-US"/>
+              <a:t>Confidential -  All Rights Reserved by CapsicoHealth, Inc</a:t>
+            </a:r>
+            <a:endParaRPr lang="en-US" dirty="0"/>
+          </a:p>
+        </p:txBody>
+      </p:sp>
+      <p:sp>
+        <p:nvSpPr>
+          <p:cNvPr id="6" name="Slide Number Placeholder 5">
+            <a:extLst>
+              <a:ext uri="{FF2B5EF4-FFF2-40B4-BE49-F238E27FC236}">
+                <a16:creationId xmlns:a16="http://schemas.microsoft.com/office/drawing/2014/main" id="{40BC8B3F-EEE5-4D8A-9C10-0CFF904D14C6}"/>
+              </a:ext>
+            </a:extLst>
+          </p:cNvPr>
+          <p:cNvSpPr>
+            <a:spLocks noGrp="1"/>
+          </p:cNvSpPr>
+          <p:nvPr>
+            <p:ph type="sldNum" sz="quarter" idx="12"/>
+          </p:nvPr>
+        </p:nvSpPr>
+        <p:spPr/>
+        <p:txBody>
+          <a:bodyPr/>
+          <a:lstStyle/>
+          <a:p>
+            <a:fld id="{5543C749-9209-47A4-A33A-F4F65A772D66}" type="slidenum">
+              <a:rPr lang="en-US" smtClean="0"/>
+              <a:pPr/>
+              <a:t>18</a:t>
+            </a:fld>
+            <a:endParaRPr lang="en-US"/>
+          </a:p>
+        </p:txBody>
+      </p:sp>
+      <p:sp>
+        <p:nvSpPr>
+          <p:cNvPr id="7" name="Rectangle 6">
+            <a:extLst>
+              <a:ext uri="{FF2B5EF4-FFF2-40B4-BE49-F238E27FC236}">
+                <a16:creationId xmlns:a16="http://schemas.microsoft.com/office/drawing/2014/main" id="{EC8FA9F6-4EBC-43DB-A965-FD94D63BD2F2}"/>
+              </a:ext>
+            </a:extLst>
+          </p:cNvPr>
+          <p:cNvSpPr/>
+          <p:nvPr/>
+        </p:nvSpPr>
+        <p:spPr>
+          <a:xfrm>
+            <a:off x="897672" y="1747857"/>
+            <a:ext cx="1750423" cy="446702"/>
+          </a:xfrm>
+          <a:prstGeom prst="rect">
+            <a:avLst/>
+          </a:prstGeom>
+        </p:spPr>
+        <p:style>
+          <a:lnRef idx="2">
+            <a:schemeClr val="accent1">
+              <a:shade val="50000"/>
+            </a:schemeClr>
+          </a:lnRef>
+          <a:fillRef idx="1">
+            <a:schemeClr val="accent1"/>
+          </a:fillRef>
+          <a:effectRef idx="0">
+            <a:schemeClr val="accent1"/>
+          </a:effectRef>
+          <a:fontRef idx="minor">
+            <a:schemeClr val="lt1"/>
+          </a:fontRef>
+        </p:style>
+        <p:txBody>
+          <a:bodyPr rtlCol="0" anchor="ctr"/>
+          <a:lstStyle/>
+          <a:p>
+            <a:pPr algn="ctr"/>
+            <a:r>
+              <a:rPr lang="en-US" dirty="0" err="1"/>
+              <a:t>X_View</a:t>
+            </a:r>
+            <a:endParaRPr lang="en-US" dirty="0"/>
+          </a:p>
+        </p:txBody>
+      </p:sp>
+      <p:sp>
+        <p:nvSpPr>
+          <p:cNvPr id="8" name="Rectangle 7">
+            <a:extLst>
+              <a:ext uri="{FF2B5EF4-FFF2-40B4-BE49-F238E27FC236}">
+                <a16:creationId xmlns:a16="http://schemas.microsoft.com/office/drawing/2014/main" id="{36B71384-9406-4AAB-9529-5C0BDBE57410}"/>
+              </a:ext>
+            </a:extLst>
+          </p:cNvPr>
+          <p:cNvSpPr/>
+          <p:nvPr/>
+        </p:nvSpPr>
+        <p:spPr>
+          <a:xfrm>
+            <a:off x="6824206" y="1747857"/>
+            <a:ext cx="1357498" cy="446702"/>
+          </a:xfrm>
+          <a:prstGeom prst="rect">
+            <a:avLst/>
+          </a:prstGeom>
+        </p:spPr>
+        <p:style>
+          <a:lnRef idx="0">
+            <a:schemeClr val="accent2"/>
+          </a:lnRef>
+          <a:fillRef idx="3">
+            <a:schemeClr val="accent2"/>
+          </a:fillRef>
+          <a:effectRef idx="3">
+            <a:schemeClr val="accent2"/>
+          </a:effectRef>
+          <a:fontRef idx="minor">
+            <a:schemeClr val="lt1"/>
+          </a:fontRef>
+        </p:style>
+        <p:txBody>
+          <a:bodyPr rtlCol="0" anchor="ctr"/>
+          <a:lstStyle/>
+          <a:p>
+            <a:pPr algn="ctr"/>
+            <a:r>
+              <a:rPr lang="en-US" dirty="0" err="1"/>
+              <a:t>X_Realized</a:t>
+            </a:r>
+            <a:endParaRPr lang="en-US" dirty="0"/>
+          </a:p>
+        </p:txBody>
+      </p:sp>
+      <p:cxnSp>
+        <p:nvCxnSpPr>
+          <p:cNvPr id="9" name="Straight Arrow Connector 8">
+            <a:extLst>
+              <a:ext uri="{FF2B5EF4-FFF2-40B4-BE49-F238E27FC236}">
+                <a16:creationId xmlns:a16="http://schemas.microsoft.com/office/drawing/2014/main" id="{7C531F25-0998-4D78-AD7B-CE308B14E914}"/>
+              </a:ext>
+            </a:extLst>
+          </p:cNvPr>
+          <p:cNvCxnSpPr>
+            <a:cxnSpLocks/>
+            <a:stCxn id="7" idx="3"/>
+            <a:endCxn id="8" idx="1"/>
+          </p:cNvCxnSpPr>
+          <p:nvPr/>
+        </p:nvCxnSpPr>
+        <p:spPr>
+          <a:xfrm>
+            <a:off x="2648095" y="1971208"/>
+            <a:ext cx="4176111" cy="0"/>
+          </a:xfrm>
+          <a:prstGeom prst="straightConnector1">
+            <a:avLst/>
+          </a:prstGeom>
+          <a:ln>
+            <a:tailEnd type="triangle"/>
+          </a:ln>
+        </p:spPr>
+        <p:style>
+          <a:lnRef idx="1">
+            <a:schemeClr val="accent1"/>
+          </a:lnRef>
+          <a:fillRef idx="0">
+            <a:schemeClr val="accent1"/>
+          </a:fillRef>
+          <a:effectRef idx="0">
+            <a:schemeClr val="accent1"/>
+          </a:effectRef>
+          <a:fontRef idx="minor">
+            <a:schemeClr val="tx1"/>
+          </a:fontRef>
+        </p:style>
+      </p:cxnSp>
+      <p:sp>
+        <p:nvSpPr>
+          <p:cNvPr id="10" name="TextBox 9">
+            <a:extLst>
+              <a:ext uri="{FF2B5EF4-FFF2-40B4-BE49-F238E27FC236}">
+                <a16:creationId xmlns:a16="http://schemas.microsoft.com/office/drawing/2014/main" id="{E8AC75CA-A34A-4B26-B562-7B4C511DD79E}"/>
+              </a:ext>
+            </a:extLst>
+          </p:cNvPr>
+          <p:cNvSpPr txBox="1"/>
+          <p:nvPr/>
+        </p:nvSpPr>
+        <p:spPr>
+          <a:xfrm>
+            <a:off x="3030582" y="1645920"/>
+            <a:ext cx="3028650" cy="369332"/>
+          </a:xfrm>
+          <a:prstGeom prst="rect">
+            <a:avLst/>
+          </a:prstGeom>
+          <a:noFill/>
+        </p:spPr>
+        <p:txBody>
+          <a:bodyPr wrap="none" rtlCol="0">
+            <a:spAutoFit/>
+          </a:bodyPr>
+          <a:lstStyle/>
+          <a:p>
+            <a:r>
+              <a:rPr lang="en-US" dirty="0"/>
+              <a:t>realize - </a:t>
+            </a:r>
+            <a:r>
+              <a:rPr lang="en-US" dirty="0" err="1"/>
+              <a:t>refill_X_Realized</a:t>
+            </a:r>
+            <a:r>
+              <a:rPr lang="en-US" dirty="0"/>
+              <a:t>()</a:t>
+            </a:r>
+          </a:p>
+        </p:txBody>
+      </p:sp>
+      <p:sp>
+        <p:nvSpPr>
+          <p:cNvPr id="11" name="Rectangle 10">
+            <a:extLst>
+              <a:ext uri="{FF2B5EF4-FFF2-40B4-BE49-F238E27FC236}">
+                <a16:creationId xmlns:a16="http://schemas.microsoft.com/office/drawing/2014/main" id="{0EE6650F-583F-421C-B81A-6469D62818D2}"/>
+              </a:ext>
+            </a:extLst>
+          </p:cNvPr>
+          <p:cNvSpPr/>
+          <p:nvPr/>
+        </p:nvSpPr>
+        <p:spPr>
+          <a:xfrm>
+            <a:off x="1280159" y="3518318"/>
+            <a:ext cx="1750423" cy="446702"/>
+          </a:xfrm>
+          <a:prstGeom prst="rect">
+            <a:avLst/>
+          </a:prstGeom>
+        </p:spPr>
+        <p:style>
+          <a:lnRef idx="2">
+            <a:schemeClr val="accent1">
+              <a:shade val="50000"/>
+            </a:schemeClr>
+          </a:lnRef>
+          <a:fillRef idx="1">
+            <a:schemeClr val="accent1"/>
+          </a:fillRef>
+          <a:effectRef idx="0">
+            <a:schemeClr val="accent1"/>
+          </a:effectRef>
+          <a:fontRef idx="minor">
+            <a:schemeClr val="lt1"/>
+          </a:fontRef>
+        </p:style>
+        <p:txBody>
+          <a:bodyPr rtlCol="0" anchor="ctr"/>
+          <a:lstStyle/>
+          <a:p>
+            <a:pPr algn="ctr"/>
+            <a:r>
+              <a:rPr lang="en-US" dirty="0" err="1"/>
+              <a:t>Y_View</a:t>
+            </a:r>
+            <a:endParaRPr lang="en-US" dirty="0"/>
+          </a:p>
+        </p:txBody>
+      </p:sp>
+      <p:sp>
+        <p:nvSpPr>
+          <p:cNvPr id="12" name="Rectangle 11">
+            <a:extLst>
+              <a:ext uri="{FF2B5EF4-FFF2-40B4-BE49-F238E27FC236}">
+                <a16:creationId xmlns:a16="http://schemas.microsoft.com/office/drawing/2014/main" id="{0BF9A238-E630-4A22-9469-8EAD6CC5FCC4}"/>
+              </a:ext>
+            </a:extLst>
+          </p:cNvPr>
+          <p:cNvSpPr/>
+          <p:nvPr/>
+        </p:nvSpPr>
+        <p:spPr>
+          <a:xfrm>
+            <a:off x="1798319" y="5098481"/>
+            <a:ext cx="1750423" cy="446702"/>
+          </a:xfrm>
+          <a:prstGeom prst="rect">
+            <a:avLst/>
+          </a:prstGeom>
+        </p:spPr>
+        <p:style>
+          <a:lnRef idx="2">
+            <a:schemeClr val="accent1">
+              <a:shade val="50000"/>
+            </a:schemeClr>
+          </a:lnRef>
+          <a:fillRef idx="1">
+            <a:schemeClr val="accent1"/>
+          </a:fillRef>
+          <a:effectRef idx="0">
+            <a:schemeClr val="accent1"/>
+          </a:effectRef>
+          <a:fontRef idx="minor">
+            <a:schemeClr val="lt1"/>
+          </a:fontRef>
+        </p:style>
+        <p:txBody>
+          <a:bodyPr rtlCol="0" anchor="ctr"/>
+          <a:lstStyle/>
+          <a:p>
+            <a:pPr algn="ctr"/>
+            <a:r>
+              <a:rPr lang="en-US" dirty="0" err="1"/>
+              <a:t>Z_View</a:t>
+            </a:r>
+            <a:endParaRPr lang="en-US" dirty="0"/>
+          </a:p>
+        </p:txBody>
+      </p:sp>
+      <p:cxnSp>
+        <p:nvCxnSpPr>
+          <p:cNvPr id="14" name="Connector: Elbow 13">
+            <a:extLst>
+              <a:ext uri="{FF2B5EF4-FFF2-40B4-BE49-F238E27FC236}">
+                <a16:creationId xmlns:a16="http://schemas.microsoft.com/office/drawing/2014/main" id="{66A3C415-CC96-4A9D-9E47-2B52F860BF5E}"/>
+              </a:ext>
+            </a:extLst>
+          </p:cNvPr>
+          <p:cNvCxnSpPr>
+            <a:cxnSpLocks/>
+            <a:stCxn id="11" idx="0"/>
+            <a:endCxn id="7" idx="2"/>
+          </p:cNvCxnSpPr>
+          <p:nvPr/>
+        </p:nvCxnSpPr>
+        <p:spPr>
+          <a:xfrm rot="16200000" flipV="1">
+            <a:off x="1302249" y="2665195"/>
+            <a:ext cx="1323759" cy="382487"/>
+          </a:xfrm>
+          <a:prstGeom prst="bentConnector3">
+            <a:avLst/>
+          </a:prstGeom>
+          <a:ln>
+            <a:tailEnd type="triangle"/>
+          </a:ln>
+        </p:spPr>
+        <p:style>
+          <a:lnRef idx="1">
+            <a:schemeClr val="accent1"/>
+          </a:lnRef>
+          <a:fillRef idx="0">
+            <a:schemeClr val="accent1"/>
+          </a:fillRef>
+          <a:effectRef idx="0">
+            <a:schemeClr val="accent1"/>
+          </a:effectRef>
+          <a:fontRef idx="minor">
+            <a:schemeClr val="tx1"/>
+          </a:fontRef>
+        </p:style>
+      </p:cxnSp>
+      <p:cxnSp>
+        <p:nvCxnSpPr>
+          <p:cNvPr id="16" name="Connector: Elbow 15">
+            <a:extLst>
+              <a:ext uri="{FF2B5EF4-FFF2-40B4-BE49-F238E27FC236}">
+                <a16:creationId xmlns:a16="http://schemas.microsoft.com/office/drawing/2014/main" id="{A0B6FBAB-468E-467E-87D4-6A354F89680D}"/>
+              </a:ext>
+            </a:extLst>
+          </p:cNvPr>
+          <p:cNvCxnSpPr>
+            <a:cxnSpLocks/>
+            <a:stCxn id="12" idx="0"/>
+            <a:endCxn id="11" idx="2"/>
+          </p:cNvCxnSpPr>
+          <p:nvPr/>
+        </p:nvCxnSpPr>
+        <p:spPr>
+          <a:xfrm rot="16200000" flipV="1">
+            <a:off x="1847721" y="4272671"/>
+            <a:ext cx="1133461" cy="518160"/>
+          </a:xfrm>
+          <a:prstGeom prst="bentConnector3">
+            <a:avLst/>
+          </a:prstGeom>
+          <a:ln>
+            <a:tailEnd type="triangle"/>
+          </a:ln>
+        </p:spPr>
+        <p:style>
+          <a:lnRef idx="1">
+            <a:schemeClr val="accent1"/>
+          </a:lnRef>
+          <a:fillRef idx="0">
+            <a:schemeClr val="accent1"/>
+          </a:fillRef>
+          <a:effectRef idx="0">
+            <a:schemeClr val="accent1"/>
+          </a:effectRef>
+          <a:fontRef idx="minor">
+            <a:schemeClr val="tx1"/>
+          </a:fontRef>
+        </p:style>
+      </p:cxnSp>
+      <p:sp>
+        <p:nvSpPr>
+          <p:cNvPr id="17" name="Rectangle 16">
+            <a:extLst>
+              <a:ext uri="{FF2B5EF4-FFF2-40B4-BE49-F238E27FC236}">
+                <a16:creationId xmlns:a16="http://schemas.microsoft.com/office/drawing/2014/main" id="{8C6AD7AD-C375-4226-8445-242D2B5B48A5}"/>
+              </a:ext>
+            </a:extLst>
+          </p:cNvPr>
+          <p:cNvSpPr/>
+          <p:nvPr/>
+        </p:nvSpPr>
+        <p:spPr>
+          <a:xfrm>
+            <a:off x="7943257" y="5098480"/>
+            <a:ext cx="1357497" cy="446702"/>
+          </a:xfrm>
+          <a:prstGeom prst="rect">
+            <a:avLst/>
+          </a:prstGeom>
+        </p:spPr>
+        <p:style>
+          <a:lnRef idx="0">
+            <a:schemeClr val="accent2"/>
+          </a:lnRef>
+          <a:fillRef idx="3">
+            <a:schemeClr val="accent2"/>
+          </a:fillRef>
+          <a:effectRef idx="3">
+            <a:schemeClr val="accent2"/>
+          </a:effectRef>
+          <a:fontRef idx="minor">
+            <a:schemeClr val="lt1"/>
+          </a:fontRef>
+        </p:style>
+        <p:txBody>
+          <a:bodyPr rtlCol="0" anchor="ctr"/>
+          <a:lstStyle/>
+          <a:p>
+            <a:pPr algn="ctr"/>
+            <a:r>
+              <a:rPr lang="en-US" dirty="0" err="1"/>
+              <a:t>Z_Realized</a:t>
+            </a:r>
+            <a:endParaRPr lang="en-US" dirty="0"/>
+          </a:p>
+        </p:txBody>
+      </p:sp>
+      <p:cxnSp>
+        <p:nvCxnSpPr>
+          <p:cNvPr id="18" name="Straight Arrow Connector 17">
+            <a:extLst>
+              <a:ext uri="{FF2B5EF4-FFF2-40B4-BE49-F238E27FC236}">
+                <a16:creationId xmlns:a16="http://schemas.microsoft.com/office/drawing/2014/main" id="{9DF3AAAA-0C29-4DBC-81C5-588D39D896CA}"/>
+              </a:ext>
+            </a:extLst>
+          </p:cNvPr>
+          <p:cNvCxnSpPr>
+            <a:cxnSpLocks/>
+            <a:stCxn id="12" idx="3"/>
+            <a:endCxn id="17" idx="1"/>
+          </p:cNvCxnSpPr>
+          <p:nvPr/>
+        </p:nvCxnSpPr>
+        <p:spPr>
+          <a:xfrm flipV="1">
+            <a:off x="3548742" y="5321831"/>
+            <a:ext cx="4394515" cy="1"/>
+          </a:xfrm>
+          <a:prstGeom prst="straightConnector1">
+            <a:avLst/>
+          </a:prstGeom>
+          <a:ln>
+            <a:tailEnd type="triangle"/>
+          </a:ln>
+        </p:spPr>
+        <p:style>
+          <a:lnRef idx="1">
+            <a:schemeClr val="accent1"/>
+          </a:lnRef>
+          <a:fillRef idx="0">
+            <a:schemeClr val="accent1"/>
+          </a:fillRef>
+          <a:effectRef idx="0">
+            <a:schemeClr val="accent1"/>
+          </a:effectRef>
+          <a:fontRef idx="minor">
+            <a:schemeClr val="tx1"/>
+          </a:fontRef>
+        </p:style>
+      </p:cxnSp>
+      <p:sp>
+        <p:nvSpPr>
+          <p:cNvPr id="19" name="TextBox 18">
+            <a:extLst>
+              <a:ext uri="{FF2B5EF4-FFF2-40B4-BE49-F238E27FC236}">
+                <a16:creationId xmlns:a16="http://schemas.microsoft.com/office/drawing/2014/main" id="{48610DE8-3B97-44B7-9DC3-A8037E9FE1FF}"/>
+              </a:ext>
+            </a:extLst>
+          </p:cNvPr>
+          <p:cNvSpPr txBox="1"/>
+          <p:nvPr/>
+        </p:nvSpPr>
+        <p:spPr>
+          <a:xfrm>
+            <a:off x="4149634" y="4996543"/>
+            <a:ext cx="3027047" cy="369332"/>
+          </a:xfrm>
+          <a:prstGeom prst="rect">
+            <a:avLst/>
+          </a:prstGeom>
+          <a:noFill/>
+        </p:spPr>
+        <p:txBody>
+          <a:bodyPr wrap="none" rtlCol="0">
+            <a:spAutoFit/>
+          </a:bodyPr>
+          <a:lstStyle/>
+          <a:p>
+            <a:r>
+              <a:rPr lang="en-US" dirty="0"/>
+              <a:t>realize - </a:t>
+            </a:r>
+            <a:r>
+              <a:rPr lang="en-US" dirty="0" err="1"/>
+              <a:t>refill_Z_Realized</a:t>
+            </a:r>
+            <a:r>
+              <a:rPr lang="en-US" dirty="0"/>
+              <a:t>()</a:t>
+            </a:r>
+          </a:p>
+        </p:txBody>
+      </p:sp>
+      <p:sp>
+        <p:nvSpPr>
+          <p:cNvPr id="27" name="Rectangle 26">
+            <a:extLst>
+              <a:ext uri="{FF2B5EF4-FFF2-40B4-BE49-F238E27FC236}">
+                <a16:creationId xmlns:a16="http://schemas.microsoft.com/office/drawing/2014/main" id="{7B7F1ACA-A1F9-42BC-B759-9420148D04D6}"/>
+              </a:ext>
+            </a:extLst>
+          </p:cNvPr>
+          <p:cNvSpPr/>
+          <p:nvPr/>
+        </p:nvSpPr>
+        <p:spPr>
+          <a:xfrm>
+            <a:off x="213705" y="869022"/>
+            <a:ext cx="1066453" cy="350177"/>
+          </a:xfrm>
+          <a:prstGeom prst="rect">
+            <a:avLst/>
+          </a:prstGeom>
+        </p:spPr>
+        <p:style>
+          <a:lnRef idx="2">
+            <a:schemeClr val="accent1">
+              <a:shade val="50000"/>
+            </a:schemeClr>
+          </a:lnRef>
+          <a:fillRef idx="1">
+            <a:schemeClr val="accent1"/>
+          </a:fillRef>
+          <a:effectRef idx="0">
+            <a:schemeClr val="accent1"/>
+          </a:effectRef>
+          <a:fontRef idx="minor">
+            <a:schemeClr val="lt1"/>
+          </a:fontRef>
+        </p:style>
+        <p:txBody>
+          <a:bodyPr rtlCol="0" anchor="ctr"/>
+          <a:lstStyle/>
+          <a:p>
+            <a:pPr algn="ctr"/>
+            <a:r>
+              <a:rPr lang="en-US" dirty="0" err="1"/>
+              <a:t>A_View</a:t>
+            </a:r>
+            <a:endParaRPr lang="en-US" dirty="0"/>
+          </a:p>
+        </p:txBody>
+      </p:sp>
+      <p:sp>
+        <p:nvSpPr>
+          <p:cNvPr id="28" name="Rectangle 27">
+            <a:extLst>
+              <a:ext uri="{FF2B5EF4-FFF2-40B4-BE49-F238E27FC236}">
+                <a16:creationId xmlns:a16="http://schemas.microsoft.com/office/drawing/2014/main" id="{98187FF4-B9B0-4886-A165-D5DEFBA2C58C}"/>
+              </a:ext>
+            </a:extLst>
+          </p:cNvPr>
+          <p:cNvSpPr/>
+          <p:nvPr/>
+        </p:nvSpPr>
+        <p:spPr>
+          <a:xfrm>
+            <a:off x="1347998" y="879213"/>
+            <a:ext cx="1066453" cy="350177"/>
+          </a:xfrm>
+          <a:prstGeom prst="rect">
+            <a:avLst/>
+          </a:prstGeom>
+        </p:spPr>
+        <p:style>
+          <a:lnRef idx="2">
+            <a:schemeClr val="accent1">
+              <a:shade val="50000"/>
+            </a:schemeClr>
+          </a:lnRef>
+          <a:fillRef idx="1">
+            <a:schemeClr val="accent1"/>
+          </a:fillRef>
+          <a:effectRef idx="0">
+            <a:schemeClr val="accent1"/>
+          </a:effectRef>
+          <a:fontRef idx="minor">
+            <a:schemeClr val="lt1"/>
+          </a:fontRef>
+        </p:style>
+        <p:txBody>
+          <a:bodyPr rtlCol="0" anchor="ctr"/>
+          <a:lstStyle/>
+          <a:p>
+            <a:pPr algn="ctr"/>
+            <a:r>
+              <a:rPr lang="en-US" dirty="0" err="1"/>
+              <a:t>B_View</a:t>
+            </a:r>
+            <a:endParaRPr lang="en-US" dirty="0"/>
+          </a:p>
+        </p:txBody>
+      </p:sp>
+      <p:sp>
+        <p:nvSpPr>
+          <p:cNvPr id="29" name="Rectangle 28">
+            <a:extLst>
+              <a:ext uri="{FF2B5EF4-FFF2-40B4-BE49-F238E27FC236}">
+                <a16:creationId xmlns:a16="http://schemas.microsoft.com/office/drawing/2014/main" id="{2BEA9A4B-64C5-474E-9C7C-65967B24EC1D}"/>
+              </a:ext>
+            </a:extLst>
+          </p:cNvPr>
+          <p:cNvSpPr/>
+          <p:nvPr/>
+        </p:nvSpPr>
+        <p:spPr>
+          <a:xfrm>
+            <a:off x="2508765" y="884634"/>
+            <a:ext cx="1066453" cy="350177"/>
+          </a:xfrm>
+          <a:prstGeom prst="rect">
+            <a:avLst/>
+          </a:prstGeom>
+        </p:spPr>
+        <p:style>
+          <a:lnRef idx="2">
+            <a:schemeClr val="accent1">
+              <a:shade val="50000"/>
+            </a:schemeClr>
+          </a:lnRef>
+          <a:fillRef idx="1">
+            <a:schemeClr val="accent1"/>
+          </a:fillRef>
+          <a:effectRef idx="0">
+            <a:schemeClr val="accent1"/>
+          </a:effectRef>
+          <a:fontRef idx="minor">
+            <a:schemeClr val="lt1"/>
+          </a:fontRef>
+        </p:style>
+        <p:txBody>
+          <a:bodyPr rtlCol="0" anchor="ctr"/>
+          <a:lstStyle/>
+          <a:p>
+            <a:pPr algn="ctr"/>
+            <a:r>
+              <a:rPr lang="en-US" dirty="0" err="1"/>
+              <a:t>C_View</a:t>
+            </a:r>
+            <a:endParaRPr lang="en-US" dirty="0"/>
+          </a:p>
+        </p:txBody>
+      </p:sp>
+      <p:sp>
+        <p:nvSpPr>
+          <p:cNvPr id="30" name="Rectangle 29">
+            <a:extLst>
+              <a:ext uri="{FF2B5EF4-FFF2-40B4-BE49-F238E27FC236}">
+                <a16:creationId xmlns:a16="http://schemas.microsoft.com/office/drawing/2014/main" id="{C5067201-4F26-416E-BC46-8522ED9CCC70}"/>
+              </a:ext>
+            </a:extLst>
+          </p:cNvPr>
+          <p:cNvSpPr/>
+          <p:nvPr/>
+        </p:nvSpPr>
+        <p:spPr>
+          <a:xfrm>
+            <a:off x="3669697" y="869022"/>
+            <a:ext cx="1066453" cy="350177"/>
+          </a:xfrm>
+          <a:prstGeom prst="rect">
+            <a:avLst/>
+          </a:prstGeom>
+        </p:spPr>
+        <p:style>
+          <a:lnRef idx="2">
+            <a:schemeClr val="accent1">
+              <a:shade val="50000"/>
+            </a:schemeClr>
+          </a:lnRef>
+          <a:fillRef idx="1">
+            <a:schemeClr val="accent1"/>
+          </a:fillRef>
+          <a:effectRef idx="0">
+            <a:schemeClr val="accent1"/>
+          </a:effectRef>
+          <a:fontRef idx="minor">
+            <a:schemeClr val="lt1"/>
+          </a:fontRef>
+        </p:style>
+        <p:txBody>
+          <a:bodyPr rtlCol="0" anchor="ctr"/>
+          <a:lstStyle/>
+          <a:p>
+            <a:pPr algn="ctr"/>
+            <a:r>
+              <a:rPr lang="en-US" dirty="0" err="1"/>
+              <a:t>D_View</a:t>
+            </a:r>
+            <a:endParaRPr lang="en-US" dirty="0"/>
+          </a:p>
+        </p:txBody>
+      </p:sp>
+      <p:cxnSp>
+        <p:nvCxnSpPr>
+          <p:cNvPr id="32" name="Connector: Elbow 31">
+            <a:extLst>
+              <a:ext uri="{FF2B5EF4-FFF2-40B4-BE49-F238E27FC236}">
+                <a16:creationId xmlns:a16="http://schemas.microsoft.com/office/drawing/2014/main" id="{FF95A5C8-F5E1-4E9A-B71A-B088176692A4}"/>
+              </a:ext>
+            </a:extLst>
+          </p:cNvPr>
+          <p:cNvCxnSpPr>
+            <a:stCxn id="7" idx="0"/>
+            <a:endCxn id="27" idx="2"/>
+          </p:cNvCxnSpPr>
+          <p:nvPr/>
+        </p:nvCxnSpPr>
+        <p:spPr>
+          <a:xfrm rot="16200000" flipV="1">
+            <a:off x="995579" y="970552"/>
+            <a:ext cx="528658" cy="1025952"/>
+          </a:xfrm>
+          <a:prstGeom prst="bentConnector3">
+            <a:avLst/>
+          </a:prstGeom>
+          <a:ln>
+            <a:tailEnd type="triangle"/>
+          </a:ln>
+        </p:spPr>
+        <p:style>
+          <a:lnRef idx="1">
+            <a:schemeClr val="accent1"/>
+          </a:lnRef>
+          <a:fillRef idx="0">
+            <a:schemeClr val="accent1"/>
+          </a:fillRef>
+          <a:effectRef idx="0">
+            <a:schemeClr val="accent1"/>
+          </a:effectRef>
+          <a:fontRef idx="minor">
+            <a:schemeClr val="tx1"/>
+          </a:fontRef>
+        </p:style>
+      </p:cxnSp>
+      <p:cxnSp>
+        <p:nvCxnSpPr>
+          <p:cNvPr id="33" name="Connector: Elbow 32">
+            <a:extLst>
+              <a:ext uri="{FF2B5EF4-FFF2-40B4-BE49-F238E27FC236}">
+                <a16:creationId xmlns:a16="http://schemas.microsoft.com/office/drawing/2014/main" id="{E47B19ED-0113-4E62-8408-99E79E3EC38C}"/>
+              </a:ext>
+            </a:extLst>
+          </p:cNvPr>
+          <p:cNvCxnSpPr>
+            <a:cxnSpLocks/>
+            <a:stCxn id="7" idx="0"/>
+            <a:endCxn id="28" idx="2"/>
+          </p:cNvCxnSpPr>
+          <p:nvPr/>
+        </p:nvCxnSpPr>
+        <p:spPr>
+          <a:xfrm rot="5400000" flipH="1" flipV="1">
+            <a:off x="1567821" y="1434454"/>
+            <a:ext cx="518467" cy="108341"/>
+          </a:xfrm>
+          <a:prstGeom prst="bentConnector3">
+            <a:avLst/>
+          </a:prstGeom>
+          <a:ln>
+            <a:tailEnd type="triangle"/>
+          </a:ln>
+        </p:spPr>
+        <p:style>
+          <a:lnRef idx="1">
+            <a:schemeClr val="accent1"/>
+          </a:lnRef>
+          <a:fillRef idx="0">
+            <a:schemeClr val="accent1"/>
+          </a:fillRef>
+          <a:effectRef idx="0">
+            <a:schemeClr val="accent1"/>
+          </a:effectRef>
+          <a:fontRef idx="minor">
+            <a:schemeClr val="tx1"/>
+          </a:fontRef>
+        </p:style>
+      </p:cxnSp>
+      <p:cxnSp>
+        <p:nvCxnSpPr>
+          <p:cNvPr id="36" name="Connector: Elbow 35">
+            <a:extLst>
+              <a:ext uri="{FF2B5EF4-FFF2-40B4-BE49-F238E27FC236}">
+                <a16:creationId xmlns:a16="http://schemas.microsoft.com/office/drawing/2014/main" id="{B610F56E-05D9-40F8-B91D-658070D5DAD7}"/>
+              </a:ext>
+            </a:extLst>
+          </p:cNvPr>
+          <p:cNvCxnSpPr>
+            <a:cxnSpLocks/>
+            <a:stCxn id="7" idx="0"/>
+            <a:endCxn id="29" idx="2"/>
+          </p:cNvCxnSpPr>
+          <p:nvPr/>
+        </p:nvCxnSpPr>
+        <p:spPr>
+          <a:xfrm rot="5400000" flipH="1" flipV="1">
+            <a:off x="2150915" y="856780"/>
+            <a:ext cx="513046" cy="1269108"/>
+          </a:xfrm>
+          <a:prstGeom prst="bentConnector3">
+            <a:avLst>
+              <a:gd name="adj1" fmla="val 50000"/>
+            </a:avLst>
+          </a:prstGeom>
+          <a:ln>
+            <a:tailEnd type="triangle"/>
+          </a:ln>
+        </p:spPr>
+        <p:style>
+          <a:lnRef idx="1">
+            <a:schemeClr val="accent1"/>
+          </a:lnRef>
+          <a:fillRef idx="0">
+            <a:schemeClr val="accent1"/>
+          </a:fillRef>
+          <a:effectRef idx="0">
+            <a:schemeClr val="accent1"/>
+          </a:effectRef>
+          <a:fontRef idx="minor">
+            <a:schemeClr val="tx1"/>
+          </a:fontRef>
+        </p:style>
+      </p:cxnSp>
+      <p:cxnSp>
+        <p:nvCxnSpPr>
+          <p:cNvPr id="38" name="Connector: Elbow 37">
+            <a:extLst>
+              <a:ext uri="{FF2B5EF4-FFF2-40B4-BE49-F238E27FC236}">
+                <a16:creationId xmlns:a16="http://schemas.microsoft.com/office/drawing/2014/main" id="{FB0783F2-F7BD-42AB-8E9F-99906C5E2421}"/>
+              </a:ext>
+            </a:extLst>
+          </p:cNvPr>
+          <p:cNvCxnSpPr>
+            <a:cxnSpLocks/>
+            <a:stCxn id="7" idx="0"/>
+            <a:endCxn id="30" idx="2"/>
+          </p:cNvCxnSpPr>
+          <p:nvPr/>
+        </p:nvCxnSpPr>
+        <p:spPr>
+          <a:xfrm rot="5400000" flipH="1" flipV="1">
+            <a:off x="2723575" y="268508"/>
+            <a:ext cx="528658" cy="2430040"/>
+          </a:xfrm>
+          <a:prstGeom prst="bentConnector3">
+            <a:avLst>
+              <a:gd name="adj1" fmla="val 50000"/>
+            </a:avLst>
+          </a:prstGeom>
+          <a:ln>
+            <a:tailEnd type="triangle"/>
+          </a:ln>
+        </p:spPr>
+        <p:style>
+          <a:lnRef idx="1">
+            <a:schemeClr val="accent1"/>
+          </a:lnRef>
+          <a:fillRef idx="0">
+            <a:schemeClr val="accent1"/>
+          </a:fillRef>
+          <a:effectRef idx="0">
+            <a:schemeClr val="accent1"/>
+          </a:effectRef>
+          <a:fontRef idx="minor">
+            <a:schemeClr val="tx1"/>
+          </a:fontRef>
+        </p:style>
+      </p:cxnSp>
+      <p:sp>
+        <p:nvSpPr>
+          <p:cNvPr id="42" name="TextBox 41">
+            <a:extLst>
+              <a:ext uri="{FF2B5EF4-FFF2-40B4-BE49-F238E27FC236}">
+                <a16:creationId xmlns:a16="http://schemas.microsoft.com/office/drawing/2014/main" id="{4B2BC825-0C25-4965-8C64-A77E20F32A65}"/>
+              </a:ext>
+            </a:extLst>
+          </p:cNvPr>
+          <p:cNvSpPr txBox="1"/>
+          <p:nvPr/>
+        </p:nvSpPr>
+        <p:spPr>
+          <a:xfrm>
+            <a:off x="2648095" y="2856244"/>
+            <a:ext cx="3583673" cy="461665"/>
+          </a:xfrm>
+          <a:prstGeom prst="rect">
+            <a:avLst/>
+          </a:prstGeom>
+          <a:noFill/>
+        </p:spPr>
+        <p:txBody>
+          <a:bodyPr wrap="none" rtlCol="0">
+            <a:spAutoFit/>
+          </a:bodyPr>
+          <a:lstStyle/>
+          <a:p>
+            <a:r>
+              <a:rPr lang="en-US" sz="1200" dirty="0"/>
+              <a:t>Select x1, x2, x3 from </a:t>
+            </a:r>
+            <a:r>
+              <a:rPr lang="en-US" sz="1200" dirty="0" err="1"/>
+              <a:t>X_View</a:t>
+            </a:r>
+            <a:r>
+              <a:rPr lang="en-US" sz="1200" dirty="0"/>
+              <a:t>, left join T…</a:t>
+            </a:r>
+          </a:p>
+          <a:p>
+            <a:r>
+              <a:rPr lang="en-US" sz="1200" dirty="0"/>
+              <a:t>-&gt; Select x1, x2, x3 from </a:t>
+            </a:r>
+            <a:r>
+              <a:rPr lang="en-US" sz="1200" dirty="0" err="1"/>
+              <a:t>X_Realized</a:t>
+            </a:r>
+            <a:r>
+              <a:rPr lang="en-US" sz="1200" dirty="0"/>
+              <a:t>, left join T…</a:t>
+            </a:r>
+          </a:p>
+        </p:txBody>
+      </p:sp>
+      <p:sp>
+        <p:nvSpPr>
+          <p:cNvPr id="43" name="Rectangle 42">
+            <a:extLst>
+              <a:ext uri="{FF2B5EF4-FFF2-40B4-BE49-F238E27FC236}">
+                <a16:creationId xmlns:a16="http://schemas.microsoft.com/office/drawing/2014/main" id="{ACDF8B6A-B31E-462D-A2E0-A18C24E54C0B}"/>
+              </a:ext>
+            </a:extLst>
+          </p:cNvPr>
+          <p:cNvSpPr/>
+          <p:nvPr/>
+        </p:nvSpPr>
+        <p:spPr>
+          <a:xfrm>
+            <a:off x="3996440" y="3519215"/>
+            <a:ext cx="1750423" cy="446702"/>
+          </a:xfrm>
+          <a:prstGeom prst="rect">
+            <a:avLst/>
+          </a:prstGeom>
+        </p:spPr>
+        <p:style>
+          <a:lnRef idx="1">
+            <a:schemeClr val="accent1"/>
+          </a:lnRef>
+          <a:fillRef idx="2">
+            <a:schemeClr val="accent1"/>
+          </a:fillRef>
+          <a:effectRef idx="1">
+            <a:schemeClr val="accent1"/>
+          </a:effectRef>
+          <a:fontRef idx="minor">
+            <a:schemeClr val="dk1"/>
+          </a:fontRef>
+        </p:style>
+        <p:txBody>
+          <a:bodyPr rtlCol="0" anchor="ctr"/>
+          <a:lstStyle/>
+          <a:p>
+            <a:pPr algn="ctr"/>
+            <a:r>
+              <a:rPr lang="en-US" dirty="0" err="1"/>
+              <a:t>Y_View_R</a:t>
+            </a:r>
+            <a:endParaRPr lang="en-US" dirty="0"/>
+          </a:p>
+        </p:txBody>
+      </p:sp>
+      <p:cxnSp>
+        <p:nvCxnSpPr>
+          <p:cNvPr id="45" name="Straight Arrow Connector 44">
+            <a:extLst>
+              <a:ext uri="{FF2B5EF4-FFF2-40B4-BE49-F238E27FC236}">
+                <a16:creationId xmlns:a16="http://schemas.microsoft.com/office/drawing/2014/main" id="{16D119A7-4D4A-45AB-A9A7-40EB12932369}"/>
+              </a:ext>
+            </a:extLst>
+          </p:cNvPr>
+          <p:cNvCxnSpPr>
+            <a:stCxn id="11" idx="3"/>
+            <a:endCxn id="43" idx="1"/>
+          </p:cNvCxnSpPr>
+          <p:nvPr/>
+        </p:nvCxnSpPr>
+        <p:spPr>
+          <a:xfrm>
+            <a:off x="3030582" y="3741669"/>
+            <a:ext cx="965858" cy="897"/>
+          </a:xfrm>
+          <a:prstGeom prst="straightConnector1">
+            <a:avLst/>
+          </a:prstGeom>
+          <a:ln>
+            <a:prstDash val="dash"/>
+            <a:tailEnd type="triangle"/>
+          </a:ln>
+        </p:spPr>
+        <p:style>
+          <a:lnRef idx="1">
+            <a:schemeClr val="accent1"/>
+          </a:lnRef>
+          <a:fillRef idx="0">
+            <a:schemeClr val="accent1"/>
+          </a:fillRef>
+          <a:effectRef idx="0">
+            <a:schemeClr val="accent1"/>
+          </a:effectRef>
+          <a:fontRef idx="minor">
+            <a:schemeClr val="tx1"/>
+          </a:fontRef>
+        </p:style>
+      </p:cxnSp>
+      <p:sp>
+        <p:nvSpPr>
+          <p:cNvPr id="46" name="TextBox 45">
+            <a:extLst>
+              <a:ext uri="{FF2B5EF4-FFF2-40B4-BE49-F238E27FC236}">
+                <a16:creationId xmlns:a16="http://schemas.microsoft.com/office/drawing/2014/main" id="{4B5B26DC-01F3-417C-BA81-80F04BCA6D34}"/>
+              </a:ext>
+            </a:extLst>
+          </p:cNvPr>
+          <p:cNvSpPr txBox="1"/>
+          <p:nvPr/>
+        </p:nvSpPr>
+        <p:spPr>
+          <a:xfrm>
+            <a:off x="3214405" y="4549841"/>
+            <a:ext cx="4728851" cy="461665"/>
+          </a:xfrm>
+          <a:prstGeom prst="rect">
+            <a:avLst/>
+          </a:prstGeom>
+          <a:noFill/>
+        </p:spPr>
+        <p:txBody>
+          <a:bodyPr wrap="square" rtlCol="0">
+            <a:spAutoFit/>
+          </a:bodyPr>
+          <a:lstStyle/>
+          <a:p>
+            <a:r>
+              <a:rPr lang="en-US" sz="1200" dirty="0"/>
+              <a:t>Select x1, x2, x3, y1, y2, y3 from </a:t>
+            </a:r>
+            <a:r>
+              <a:rPr lang="en-US" sz="1200" dirty="0" err="1"/>
+              <a:t>Y_View</a:t>
+            </a:r>
+            <a:r>
+              <a:rPr lang="en-US" sz="1200" dirty="0"/>
+              <a:t>, left join T2…</a:t>
+            </a:r>
+          </a:p>
+          <a:p>
+            <a:r>
+              <a:rPr lang="en-US" sz="1200" dirty="0"/>
+              <a:t>-&gt; Select x1, x2, x3, y1, y2, y3 from </a:t>
+            </a:r>
+            <a:r>
+              <a:rPr lang="en-US" sz="1200" dirty="0" err="1"/>
+              <a:t>Y_View_R</a:t>
+            </a:r>
+            <a:r>
+              <a:rPr lang="en-US" sz="1200" dirty="0"/>
+              <a:t>, left join T2…</a:t>
+            </a:r>
+          </a:p>
+        </p:txBody>
+      </p:sp>
+      <p:cxnSp>
+        <p:nvCxnSpPr>
+          <p:cNvPr id="48" name="Connector: Elbow 47">
+            <a:extLst>
+              <a:ext uri="{FF2B5EF4-FFF2-40B4-BE49-F238E27FC236}">
+                <a16:creationId xmlns:a16="http://schemas.microsoft.com/office/drawing/2014/main" id="{685BBB64-3DA4-4B19-8AE3-A1C15AC599AF}"/>
+              </a:ext>
+            </a:extLst>
+          </p:cNvPr>
+          <p:cNvCxnSpPr>
+            <a:cxnSpLocks/>
+            <a:stCxn id="43" idx="3"/>
+            <a:endCxn id="8" idx="2"/>
+          </p:cNvCxnSpPr>
+          <p:nvPr/>
+        </p:nvCxnSpPr>
+        <p:spPr>
+          <a:xfrm flipV="1">
+            <a:off x="5746863" y="2194559"/>
+            <a:ext cx="1756092" cy="1548007"/>
+          </a:xfrm>
+          <a:prstGeom prst="bentConnector2">
+            <a:avLst/>
+          </a:prstGeom>
+          <a:ln>
+            <a:prstDash val="dash"/>
+            <a:tailEnd type="triangle"/>
+          </a:ln>
+        </p:spPr>
+        <p:style>
+          <a:lnRef idx="1">
+            <a:schemeClr val="accent1"/>
+          </a:lnRef>
+          <a:fillRef idx="0">
+            <a:schemeClr val="accent1"/>
+          </a:fillRef>
+          <a:effectRef idx="0">
+            <a:schemeClr val="accent1"/>
+          </a:effectRef>
+          <a:fontRef idx="minor">
+            <a:schemeClr val="tx1"/>
+          </a:fontRef>
+        </p:style>
+      </p:cxnSp>
+    </p:spTree>
+    <p:extLst>
+      <p:ext uri="{BB962C8B-B14F-4D97-AF65-F5344CB8AC3E}">
+        <p14:creationId xmlns:p14="http://schemas.microsoft.com/office/powerpoint/2010/main" val="344251131"/>
       </p:ext>
     </p:extLst>
   </p:cSld>
